--- a/Final Presentation/ACS560 Final Presentation.pptx
+++ b/Final Presentation/ACS560 Final Presentation.pptx
@@ -5,16 +5,24 @@
     <p:sldMasterId id="2147483812" r:id="rId1"/>
   </p:sldMasterIdLst>
   <p:notesMasterIdLst>
-    <p:notesMasterId r:id="rId9"/>
+    <p:notesMasterId r:id="rId17"/>
   </p:notesMasterIdLst>
   <p:sldIdLst>
     <p:sldId id="256" r:id="rId2"/>
-    <p:sldId id="257" r:id="rId3"/>
-    <p:sldId id="258" r:id="rId4"/>
-    <p:sldId id="259" r:id="rId5"/>
-    <p:sldId id="261" r:id="rId6"/>
-    <p:sldId id="262" r:id="rId7"/>
-    <p:sldId id="260" r:id="rId8"/>
+    <p:sldId id="266" r:id="rId3"/>
+    <p:sldId id="263" r:id="rId4"/>
+    <p:sldId id="265" r:id="rId5"/>
+    <p:sldId id="257" r:id="rId6"/>
+    <p:sldId id="267" r:id="rId7"/>
+    <p:sldId id="258" r:id="rId8"/>
+    <p:sldId id="259" r:id="rId9"/>
+    <p:sldId id="268" r:id="rId10"/>
+    <p:sldId id="270" r:id="rId11"/>
+    <p:sldId id="261" r:id="rId12"/>
+    <p:sldId id="262" r:id="rId13"/>
+    <p:sldId id="269" r:id="rId14"/>
+    <p:sldId id="264" r:id="rId15"/>
+    <p:sldId id="260" r:id="rId16"/>
   </p:sldIdLst>
   <p:sldSz cx="9144000" cy="6858000" type="screen4x3"/>
   <p:notesSz cx="6858000" cy="9144000"/>
@@ -551,7 +559,7 @@
           <a:p>
             <a:fld id="{62A34FC3-F710-EE47-9E62-5009D6D4287B}" type="slidenum">
               <a:rPr lang="en-US" smtClean="0"/>
-              <a:t>2</a:t>
+              <a:t>5</a:t>
             </a:fld>
             <a:endParaRPr lang="en-US"/>
           </a:p>
@@ -647,7 +655,7 @@
           <a:p>
             <a:fld id="{62A34FC3-F710-EE47-9E62-5009D6D4287B}" type="slidenum">
               <a:rPr lang="en-US" smtClean="0"/>
-              <a:t>3</a:t>
+              <a:t>7</a:t>
             </a:fld>
             <a:endParaRPr lang="en-US"/>
           </a:p>
@@ -657,6 +665,90 @@
     <p:extLst>
       <p:ext uri="{BB962C8B-B14F-4D97-AF65-F5344CB8AC3E}">
         <p14:creationId xmlns:p14="http://schemas.microsoft.com/office/powerpoint/2010/main" val="4598246"/>
+      </p:ext>
+    </p:extLst>
+  </p:cSld>
+  <p:clrMapOvr>
+    <a:masterClrMapping/>
+  </p:clrMapOvr>
+</p:notes>
+</file>
+
+<file path=ppt/notesSlides/notesSlide3.xml><?xml version="1.0" encoding="utf-8"?>
+<p:notes xmlns:a="http://schemas.openxmlformats.org/drawingml/2006/main" xmlns:r="http://schemas.openxmlformats.org/officeDocument/2006/relationships" xmlns:p="http://schemas.openxmlformats.org/presentationml/2006/main">
+  <p:cSld>
+    <p:spTree>
+      <p:nvGrpSpPr>
+        <p:cNvPr id="1" name=""/>
+        <p:cNvGrpSpPr/>
+        <p:nvPr/>
+      </p:nvGrpSpPr>
+      <p:grpSpPr>
+        <a:xfrm>
+          <a:off x="0" y="0"/>
+          <a:ext cx="0" cy="0"/>
+          <a:chOff x="0" y="0"/>
+          <a:chExt cx="0" cy="0"/>
+        </a:xfrm>
+      </p:grpSpPr>
+      <p:sp>
+        <p:nvSpPr>
+          <p:cNvPr id="2" name="Slide Image Placeholder 1"/>
+          <p:cNvSpPr>
+            <a:spLocks noGrp="1" noRot="1" noChangeAspect="1"/>
+          </p:cNvSpPr>
+          <p:nvPr>
+            <p:ph type="sldImg"/>
+          </p:nvPr>
+        </p:nvSpPr>
+        <p:spPr/>
+      </p:sp>
+      <p:sp>
+        <p:nvSpPr>
+          <p:cNvPr id="3" name="Notes Placeholder 2"/>
+          <p:cNvSpPr>
+            <a:spLocks noGrp="1"/>
+          </p:cNvSpPr>
+          <p:nvPr>
+            <p:ph type="body" idx="1"/>
+          </p:nvPr>
+        </p:nvSpPr>
+        <p:spPr/>
+        <p:txBody>
+          <a:bodyPr/>
+          <a:lstStyle/>
+          <a:p>
+            <a:endParaRPr lang="en-US" dirty="0"/>
+          </a:p>
+        </p:txBody>
+      </p:sp>
+      <p:sp>
+        <p:nvSpPr>
+          <p:cNvPr id="4" name="Slide Number Placeholder 3"/>
+          <p:cNvSpPr>
+            <a:spLocks noGrp="1"/>
+          </p:cNvSpPr>
+          <p:nvPr>
+            <p:ph type="sldNum" sz="quarter" idx="10"/>
+          </p:nvPr>
+        </p:nvSpPr>
+        <p:spPr/>
+        <p:txBody>
+          <a:bodyPr/>
+          <a:lstStyle/>
+          <a:p>
+            <a:fld id="{62A34FC3-F710-EE47-9E62-5009D6D4287B}" type="slidenum">
+              <a:rPr lang="en-US" smtClean="0"/>
+              <a:t>10</a:t>
+            </a:fld>
+            <a:endParaRPr lang="en-US"/>
+          </a:p>
+        </p:txBody>
+      </p:sp>
+    </p:spTree>
+    <p:extLst>
+      <p:ext uri="{BB962C8B-B14F-4D97-AF65-F5344CB8AC3E}">
+        <p14:creationId xmlns:p14="http://schemas.microsoft.com/office/powerpoint/2010/main" val="1349205825"/>
       </p:ext>
     </p:extLst>
   </p:cSld>
@@ -3934,7 +4026,7 @@
             </a:br>
             <a:r>
               <a:rPr lang="en-US" dirty="0" err="1" smtClean="0"/>
-              <a:t>NutriFacts</a:t>
+              <a:t>Calor</a:t>
             </a:r>
             <a:r>
               <a:rPr lang="en-US" dirty="0" smtClean="0"/>
@@ -3987,6 +4079,555 @@
     <p:extLst>
       <p:ext uri="{BB962C8B-B14F-4D97-AF65-F5344CB8AC3E}">
         <p14:creationId xmlns:p14="http://schemas.microsoft.com/office/powerpoint/2010/main" val="3173404264"/>
+      </p:ext>
+    </p:extLst>
+  </p:cSld>
+  <p:clrMapOvr>
+    <a:masterClrMapping/>
+  </p:clrMapOvr>
+</p:sld>
+</file>
+
+<file path=ppt/slides/slide10.xml><?xml version="1.0" encoding="utf-8"?>
+<p:sld xmlns:a="http://schemas.openxmlformats.org/drawingml/2006/main" xmlns:r="http://schemas.openxmlformats.org/officeDocument/2006/relationships" xmlns:p="http://schemas.openxmlformats.org/presentationml/2006/main">
+  <p:cSld>
+    <p:spTree>
+      <p:nvGrpSpPr>
+        <p:cNvPr id="1" name=""/>
+        <p:cNvGrpSpPr/>
+        <p:nvPr/>
+      </p:nvGrpSpPr>
+      <p:grpSpPr>
+        <a:xfrm>
+          <a:off x="0" y="0"/>
+          <a:ext cx="0" cy="0"/>
+          <a:chOff x="0" y="0"/>
+          <a:chExt cx="0" cy="0"/>
+        </a:xfrm>
+      </p:grpSpPr>
+      <p:sp>
+        <p:nvSpPr>
+          <p:cNvPr id="2" name="Title 1"/>
+          <p:cNvSpPr>
+            <a:spLocks noGrp="1"/>
+          </p:cNvSpPr>
+          <p:nvPr>
+            <p:ph type="title"/>
+          </p:nvPr>
+        </p:nvSpPr>
+        <p:spPr/>
+        <p:txBody>
+          <a:bodyPr/>
+          <a:lstStyle/>
+          <a:p>
+            <a:r>
+              <a:rPr lang="en-US" dirty="0" smtClean="0"/>
+              <a:t>Major Modules</a:t>
+            </a:r>
+            <a:endParaRPr lang="en-US" dirty="0"/>
+          </a:p>
+        </p:txBody>
+      </p:sp>
+      <p:pic>
+        <p:nvPicPr>
+          <p:cNvPr id="3" name="Picture 2" descr="MajorModules_Pretty.png"/>
+          <p:cNvPicPr>
+            <a:picLocks noChangeAspect="1"/>
+          </p:cNvPicPr>
+          <p:nvPr/>
+        </p:nvPicPr>
+        <p:blipFill>
+          <a:blip r:embed="rId3">
+            <a:extLst>
+              <a:ext uri="{28A0092B-C50C-407E-A947-70E740481C1C}">
+                <a14:useLocalDpi xmlns:a14="http://schemas.microsoft.com/office/drawing/2010/main" val="0"/>
+              </a:ext>
+            </a:extLst>
+          </a:blip>
+          <a:stretch>
+            <a:fillRect/>
+          </a:stretch>
+        </p:blipFill>
+        <p:spPr>
+          <a:xfrm>
+            <a:off x="1090585" y="1444532"/>
+            <a:ext cx="7241035" cy="4764867"/>
+          </a:xfrm>
+          <a:prstGeom prst="rect">
+            <a:avLst/>
+          </a:prstGeom>
+        </p:spPr>
+      </p:pic>
+    </p:spTree>
+    <p:extLst>
+      <p:ext uri="{BB962C8B-B14F-4D97-AF65-F5344CB8AC3E}">
+        <p14:creationId xmlns:p14="http://schemas.microsoft.com/office/powerpoint/2010/main" val="2318021570"/>
+      </p:ext>
+    </p:extLst>
+  </p:cSld>
+  <p:clrMapOvr>
+    <a:masterClrMapping/>
+  </p:clrMapOvr>
+  <p:timing>
+    <p:tnLst>
+      <p:par>
+        <p:cTn xmlns:p14="http://schemas.microsoft.com/office/powerpoint/2010/main" id="1" dur="indefinite" restart="never" nodeType="tmRoot"/>
+      </p:par>
+    </p:tnLst>
+  </p:timing>
+</p:sld>
+</file>
+
+<file path=ppt/slides/slide11.xml><?xml version="1.0" encoding="utf-8"?>
+<p:sld xmlns:a="http://schemas.openxmlformats.org/drawingml/2006/main" xmlns:r="http://schemas.openxmlformats.org/officeDocument/2006/relationships" xmlns:p="http://schemas.openxmlformats.org/presentationml/2006/main">
+  <p:cSld>
+    <p:spTree>
+      <p:nvGrpSpPr>
+        <p:cNvPr id="1" name=""/>
+        <p:cNvGrpSpPr/>
+        <p:nvPr/>
+      </p:nvGrpSpPr>
+      <p:grpSpPr>
+        <a:xfrm>
+          <a:off x="0" y="0"/>
+          <a:ext cx="0" cy="0"/>
+          <a:chOff x="0" y="0"/>
+          <a:chExt cx="0" cy="0"/>
+        </a:xfrm>
+      </p:grpSpPr>
+      <p:sp>
+        <p:nvSpPr>
+          <p:cNvPr id="2" name="Title 1"/>
+          <p:cNvSpPr>
+            <a:spLocks noGrp="1"/>
+          </p:cNvSpPr>
+          <p:nvPr>
+            <p:ph type="title"/>
+          </p:nvPr>
+        </p:nvSpPr>
+        <p:spPr/>
+        <p:txBody>
+          <a:bodyPr/>
+          <a:lstStyle/>
+          <a:p>
+            <a:r>
+              <a:rPr lang="en-US" dirty="0" smtClean="0"/>
+              <a:t>Web API</a:t>
+            </a:r>
+            <a:endParaRPr lang="en-US" dirty="0"/>
+          </a:p>
+        </p:txBody>
+      </p:sp>
+      <p:sp>
+        <p:nvSpPr>
+          <p:cNvPr id="4" name="Content Placeholder 3"/>
+          <p:cNvSpPr txBox="1">
+            <a:spLocks noGrp="1"/>
+          </p:cNvSpPr>
+          <p:nvPr>
+            <p:ph idx="1"/>
+          </p:nvPr>
+        </p:nvSpPr>
+        <p:spPr>
+          <a:xfrm>
+            <a:off x="457200" y="1600200"/>
+            <a:ext cx="7263527" cy="2677656"/>
+          </a:xfrm>
+          <a:prstGeom prst="rect">
+            <a:avLst/>
+          </a:prstGeom>
+          <a:noFill/>
+        </p:spPr>
+        <p:txBody>
+          <a:bodyPr wrap="none" rtlCol="0">
+            <a:spAutoFit/>
+          </a:bodyPr>
+          <a:lstStyle/>
+          <a:p>
+            <a:r>
+              <a:rPr lang="en-US" dirty="0">
+                <a:hlinkClick r:id="rId2"/>
+              </a:rPr>
+              <a:t>http://slypro.hostjava.net/</a:t>
+            </a:r>
+            <a:r>
+              <a:rPr lang="en-US" dirty="0" smtClean="0">
+                <a:hlinkClick r:id="rId2"/>
+              </a:rPr>
+              <a:t>NutriFacts.php</a:t>
+            </a:r>
+            <a:endParaRPr lang="en-US" dirty="0" smtClean="0"/>
+          </a:p>
+          <a:p>
+            <a:r>
+              <a:rPr lang="en-US" dirty="0" smtClean="0"/>
+              <a:t>Returns Restaurant Type as well</a:t>
+            </a:r>
+          </a:p>
+          <a:p>
+            <a:r>
+              <a:rPr lang="en-US" dirty="0" smtClean="0"/>
+              <a:t>All data in JSON</a:t>
+            </a:r>
+          </a:p>
+          <a:p>
+            <a:r>
+              <a:rPr lang="en-US" dirty="0" smtClean="0"/>
+              <a:t>Parsed and recorded by the application</a:t>
+            </a:r>
+          </a:p>
+          <a:p>
+            <a:r>
+              <a:rPr lang="en-US" dirty="0" smtClean="0"/>
+              <a:t>App re-queries database for every change in</a:t>
+            </a:r>
+          </a:p>
+          <a:p>
+            <a:pPr marL="0" indent="0">
+              <a:buNone/>
+            </a:pPr>
+            <a:r>
+              <a:rPr lang="en-US" dirty="0" smtClean="0"/>
+              <a:t> constraints</a:t>
+            </a:r>
+            <a:endParaRPr lang="en-US" dirty="0"/>
+          </a:p>
+        </p:txBody>
+      </p:sp>
+    </p:spTree>
+    <p:extLst>
+      <p:ext uri="{BB962C8B-B14F-4D97-AF65-F5344CB8AC3E}">
+        <p14:creationId xmlns:p14="http://schemas.microsoft.com/office/powerpoint/2010/main" val="1682440954"/>
+      </p:ext>
+    </p:extLst>
+  </p:cSld>
+  <p:clrMapOvr>
+    <a:masterClrMapping/>
+  </p:clrMapOvr>
+  <p:timing>
+    <p:tnLst>
+      <p:par>
+        <p:cTn xmlns:p14="http://schemas.microsoft.com/office/powerpoint/2010/main" id="1" dur="indefinite" restart="never" nodeType="tmRoot"/>
+      </p:par>
+    </p:tnLst>
+  </p:timing>
+</p:sld>
+</file>
+
+<file path=ppt/slides/slide12.xml><?xml version="1.0" encoding="utf-8"?>
+<p:sld xmlns:a="http://schemas.openxmlformats.org/drawingml/2006/main" xmlns:r="http://schemas.openxmlformats.org/officeDocument/2006/relationships" xmlns:p="http://schemas.openxmlformats.org/presentationml/2006/main">
+  <p:cSld>
+    <p:spTree>
+      <p:nvGrpSpPr>
+        <p:cNvPr id="1" name=""/>
+        <p:cNvGrpSpPr/>
+        <p:nvPr/>
+      </p:nvGrpSpPr>
+      <p:grpSpPr>
+        <a:xfrm>
+          <a:off x="0" y="0"/>
+          <a:ext cx="0" cy="0"/>
+          <a:chOff x="0" y="0"/>
+          <a:chExt cx="0" cy="0"/>
+        </a:xfrm>
+      </p:grpSpPr>
+      <p:sp>
+        <p:nvSpPr>
+          <p:cNvPr id="2" name="Title 1"/>
+          <p:cNvSpPr>
+            <a:spLocks noGrp="1"/>
+          </p:cNvSpPr>
+          <p:nvPr>
+            <p:ph type="title"/>
+          </p:nvPr>
+        </p:nvSpPr>
+        <p:spPr/>
+        <p:txBody>
+          <a:bodyPr/>
+          <a:lstStyle/>
+          <a:p>
+            <a:r>
+              <a:rPr lang="en-US" dirty="0" smtClean="0"/>
+              <a:t>Demo</a:t>
+            </a:r>
+            <a:endParaRPr lang="en-US" dirty="0"/>
+          </a:p>
+        </p:txBody>
+      </p:sp>
+    </p:spTree>
+    <p:extLst>
+      <p:ext uri="{BB962C8B-B14F-4D97-AF65-F5344CB8AC3E}">
+        <p14:creationId xmlns:p14="http://schemas.microsoft.com/office/powerpoint/2010/main" val="3221030249"/>
+      </p:ext>
+    </p:extLst>
+  </p:cSld>
+  <p:clrMapOvr>
+    <a:masterClrMapping/>
+  </p:clrMapOvr>
+</p:sld>
+</file>
+
+<file path=ppt/slides/slide13.xml><?xml version="1.0" encoding="utf-8"?>
+<p:sld xmlns:a="http://schemas.openxmlformats.org/drawingml/2006/main" xmlns:r="http://schemas.openxmlformats.org/officeDocument/2006/relationships" xmlns:p="http://schemas.openxmlformats.org/presentationml/2006/main">
+  <p:cSld>
+    <p:spTree>
+      <p:nvGrpSpPr>
+        <p:cNvPr id="1" name=""/>
+        <p:cNvGrpSpPr/>
+        <p:nvPr/>
+      </p:nvGrpSpPr>
+      <p:grpSpPr>
+        <a:xfrm>
+          <a:off x="0" y="0"/>
+          <a:ext cx="0" cy="0"/>
+          <a:chOff x="0" y="0"/>
+          <a:chExt cx="0" cy="0"/>
+        </a:xfrm>
+      </p:grpSpPr>
+      <p:sp>
+        <p:nvSpPr>
+          <p:cNvPr id="2" name="Title 1"/>
+          <p:cNvSpPr>
+            <a:spLocks noGrp="1"/>
+          </p:cNvSpPr>
+          <p:nvPr>
+            <p:ph type="title"/>
+          </p:nvPr>
+        </p:nvSpPr>
+        <p:spPr/>
+        <p:txBody>
+          <a:bodyPr/>
+          <a:lstStyle/>
+          <a:p>
+            <a:r>
+              <a:rPr lang="en-US" dirty="0" smtClean="0"/>
+              <a:t>Outline</a:t>
+            </a:r>
+            <a:endParaRPr lang="en-US" dirty="0"/>
+          </a:p>
+        </p:txBody>
+      </p:sp>
+      <p:sp>
+        <p:nvSpPr>
+          <p:cNvPr id="3" name="Content Placeholder 2"/>
+          <p:cNvSpPr>
+            <a:spLocks noGrp="1"/>
+          </p:cNvSpPr>
+          <p:nvPr>
+            <p:ph idx="1"/>
+          </p:nvPr>
+        </p:nvSpPr>
+        <p:spPr/>
+        <p:txBody>
+          <a:bodyPr/>
+          <a:lstStyle/>
+          <a:p>
+            <a:r>
+              <a:rPr lang="en-US" dirty="0" smtClean="0"/>
+              <a:t>Background</a:t>
+            </a:r>
+          </a:p>
+          <a:p>
+            <a:r>
+              <a:rPr lang="en-US" dirty="0" smtClean="0"/>
+              <a:t>Did we do it?</a:t>
+            </a:r>
+          </a:p>
+          <a:p>
+            <a:r>
+              <a:rPr lang="en-US" dirty="0" smtClean="0"/>
+              <a:t>Demonstration</a:t>
+            </a:r>
+          </a:p>
+          <a:p>
+            <a:r>
+              <a:rPr lang="en-US" u="sng" dirty="0" smtClean="0"/>
+              <a:t>Aftermath</a:t>
+            </a:r>
+            <a:endParaRPr lang="en-US" u="sng" dirty="0"/>
+          </a:p>
+        </p:txBody>
+      </p:sp>
+    </p:spTree>
+    <p:extLst>
+      <p:ext uri="{BB962C8B-B14F-4D97-AF65-F5344CB8AC3E}">
+        <p14:creationId xmlns:p14="http://schemas.microsoft.com/office/powerpoint/2010/main" val="437012859"/>
+      </p:ext>
+    </p:extLst>
+  </p:cSld>
+  <p:clrMapOvr>
+    <a:masterClrMapping/>
+  </p:clrMapOvr>
+</p:sld>
+</file>
+
+<file path=ppt/slides/slide14.xml><?xml version="1.0" encoding="utf-8"?>
+<p:sld xmlns:a="http://schemas.openxmlformats.org/drawingml/2006/main" xmlns:r="http://schemas.openxmlformats.org/officeDocument/2006/relationships" xmlns:p="http://schemas.openxmlformats.org/presentationml/2006/main">
+  <p:cSld>
+    <p:spTree>
+      <p:nvGrpSpPr>
+        <p:cNvPr id="1" name=""/>
+        <p:cNvGrpSpPr/>
+        <p:nvPr/>
+      </p:nvGrpSpPr>
+      <p:grpSpPr>
+        <a:xfrm>
+          <a:off x="0" y="0"/>
+          <a:ext cx="0" cy="0"/>
+          <a:chOff x="0" y="0"/>
+          <a:chExt cx="0" cy="0"/>
+        </a:xfrm>
+      </p:grpSpPr>
+      <p:sp>
+        <p:nvSpPr>
+          <p:cNvPr id="2" name="Title 1"/>
+          <p:cNvSpPr>
+            <a:spLocks noGrp="1"/>
+          </p:cNvSpPr>
+          <p:nvPr>
+            <p:ph type="title"/>
+          </p:nvPr>
+        </p:nvSpPr>
+        <p:spPr/>
+        <p:txBody>
+          <a:bodyPr/>
+          <a:lstStyle/>
+          <a:p>
+            <a:r>
+              <a:rPr lang="en-US" dirty="0" smtClean="0"/>
+              <a:t>Next Steps</a:t>
+            </a:r>
+            <a:endParaRPr lang="en-US" dirty="0"/>
+          </a:p>
+        </p:txBody>
+      </p:sp>
+      <p:sp>
+        <p:nvSpPr>
+          <p:cNvPr id="3" name="Content Placeholder 2"/>
+          <p:cNvSpPr>
+            <a:spLocks noGrp="1"/>
+          </p:cNvSpPr>
+          <p:nvPr>
+            <p:ph idx="1"/>
+          </p:nvPr>
+        </p:nvSpPr>
+        <p:spPr/>
+        <p:txBody>
+          <a:bodyPr/>
+          <a:lstStyle/>
+          <a:p>
+            <a:r>
+              <a:rPr lang="en-US" dirty="0" smtClean="0"/>
+              <a:t>Connect to larger database</a:t>
+            </a:r>
+          </a:p>
+          <a:p>
+            <a:r>
+              <a:rPr lang="en-US" dirty="0" smtClean="0"/>
+              <a:t>Store Location data for restaurants</a:t>
+            </a:r>
+          </a:p>
+          <a:p>
+            <a:r>
+              <a:rPr lang="en-US" dirty="0" smtClean="0"/>
+              <a:t>Give directions to restaurants</a:t>
+            </a:r>
+          </a:p>
+          <a:p>
+            <a:r>
+              <a:rPr lang="en-US" dirty="0" smtClean="0"/>
+              <a:t>Connect to Yelp or other apps</a:t>
+            </a:r>
+          </a:p>
+          <a:p>
+            <a:r>
+              <a:rPr lang="en-US" dirty="0" smtClean="0"/>
+              <a:t>Partner with organizations such as gyms</a:t>
+            </a:r>
+            <a:endParaRPr lang="en-US" dirty="0"/>
+          </a:p>
+        </p:txBody>
+      </p:sp>
+    </p:spTree>
+    <p:extLst>
+      <p:ext uri="{BB962C8B-B14F-4D97-AF65-F5344CB8AC3E}">
+        <p14:creationId xmlns:p14="http://schemas.microsoft.com/office/powerpoint/2010/main" val="1372672566"/>
+      </p:ext>
+    </p:extLst>
+  </p:cSld>
+  <p:clrMapOvr>
+    <a:masterClrMapping/>
+  </p:clrMapOvr>
+</p:sld>
+</file>
+
+<file path=ppt/slides/slide15.xml><?xml version="1.0" encoding="utf-8"?>
+<p:sld xmlns:a="http://schemas.openxmlformats.org/drawingml/2006/main" xmlns:r="http://schemas.openxmlformats.org/officeDocument/2006/relationships" xmlns:p="http://schemas.openxmlformats.org/presentationml/2006/main">
+  <p:cSld>
+    <p:spTree>
+      <p:nvGrpSpPr>
+        <p:cNvPr id="1" name=""/>
+        <p:cNvGrpSpPr/>
+        <p:nvPr/>
+      </p:nvGrpSpPr>
+      <p:grpSpPr>
+        <a:xfrm>
+          <a:off x="0" y="0"/>
+          <a:ext cx="0" cy="0"/>
+          <a:chOff x="0" y="0"/>
+          <a:chExt cx="0" cy="0"/>
+        </a:xfrm>
+      </p:grpSpPr>
+      <p:sp>
+        <p:nvSpPr>
+          <p:cNvPr id="2" name="Title 1"/>
+          <p:cNvSpPr>
+            <a:spLocks noGrp="1"/>
+          </p:cNvSpPr>
+          <p:nvPr>
+            <p:ph type="title"/>
+          </p:nvPr>
+        </p:nvSpPr>
+        <p:spPr/>
+        <p:txBody>
+          <a:bodyPr/>
+          <a:lstStyle/>
+          <a:p>
+            <a:r>
+              <a:rPr lang="en-US" dirty="0" smtClean="0"/>
+              <a:t>Q&amp;A</a:t>
+            </a:r>
+            <a:endParaRPr lang="en-US" dirty="0"/>
+          </a:p>
+        </p:txBody>
+      </p:sp>
+      <p:sp>
+        <p:nvSpPr>
+          <p:cNvPr id="3" name="Content Placeholder 2"/>
+          <p:cNvSpPr>
+            <a:spLocks noGrp="1"/>
+          </p:cNvSpPr>
+          <p:nvPr>
+            <p:ph idx="1"/>
+          </p:nvPr>
+        </p:nvSpPr>
+        <p:spPr/>
+        <p:txBody>
+          <a:bodyPr/>
+          <a:lstStyle/>
+          <a:p>
+            <a:r>
+              <a:rPr lang="en-US" dirty="0" smtClean="0"/>
+              <a:t>Any questions?</a:t>
+            </a:r>
+            <a:endParaRPr lang="en-US" dirty="0"/>
+          </a:p>
+        </p:txBody>
+      </p:sp>
+    </p:spTree>
+    <p:extLst>
+      <p:ext uri="{BB962C8B-B14F-4D97-AF65-F5344CB8AC3E}">
+        <p14:creationId xmlns:p14="http://schemas.microsoft.com/office/powerpoint/2010/main" val="486585655"/>
       </p:ext>
     </p:extLst>
   </p:cSld>
@@ -4030,7 +4671,7 @@
           <a:p>
             <a:r>
               <a:rPr lang="en-US" dirty="0" smtClean="0"/>
-              <a:t>Why We Chose This Project</a:t>
+              <a:t>Outline</a:t>
             </a:r>
             <a:endParaRPr lang="en-US" dirty="0"/>
           </a:p>
@@ -4052,26 +4693,26 @@
           <a:lstStyle/>
           <a:p>
             <a:r>
-              <a:rPr lang="en-US" dirty="0" smtClean="0"/>
-              <a:t>A way to find out what you can eat at restaurants and stay on target.</a:t>
-            </a:r>
-          </a:p>
-          <a:p>
-            <a:r>
-              <a:rPr lang="en-US" dirty="0" smtClean="0"/>
-              <a:t>Useful for others</a:t>
-            </a:r>
-          </a:p>
-          <a:p>
-            <a:r>
-              <a:rPr lang="en-US" dirty="0" smtClean="0"/>
-              <a:t>Useful for us</a:t>
-            </a:r>
-          </a:p>
-          <a:p>
-            <a:r>
-              <a:rPr lang="en-US" dirty="0" smtClean="0"/>
-              <a:t>Interesting</a:t>
+              <a:rPr lang="en-US" u="sng" dirty="0" smtClean="0"/>
+              <a:t>Background</a:t>
+            </a:r>
+          </a:p>
+          <a:p>
+            <a:r>
+              <a:rPr lang="en-US" dirty="0" smtClean="0"/>
+              <a:t>Did we do it?</a:t>
+            </a:r>
+          </a:p>
+          <a:p>
+            <a:r>
+              <a:rPr lang="en-US" dirty="0" smtClean="0"/>
+              <a:t>Demonstration</a:t>
+            </a:r>
+          </a:p>
+          <a:p>
+            <a:r>
+              <a:rPr lang="en-US" dirty="0" smtClean="0"/>
+              <a:t>Aftermath</a:t>
             </a:r>
             <a:endParaRPr lang="en-US" dirty="0"/>
           </a:p>
@@ -4080,7 +4721,7 @@
     </p:spTree>
     <p:extLst>
       <p:ext uri="{BB962C8B-B14F-4D97-AF65-F5344CB8AC3E}">
-        <p14:creationId xmlns:p14="http://schemas.microsoft.com/office/powerpoint/2010/main" val="2902935921"/>
+        <p14:creationId xmlns:p14="http://schemas.microsoft.com/office/powerpoint/2010/main" val="4270633209"/>
       </p:ext>
     </p:extLst>
   </p:cSld>
@@ -4119,14 +4760,12 @@
         </p:nvSpPr>
         <p:spPr/>
         <p:txBody>
-          <a:bodyPr>
-            <a:normAutofit/>
-          </a:bodyPr>
-          <a:lstStyle/>
-          <a:p>
-            <a:r>
-              <a:rPr lang="en-US" dirty="0" smtClean="0"/>
-              <a:t>Non-Functional Requirements</a:t>
+          <a:bodyPr/>
+          <a:lstStyle/>
+          <a:p>
+            <a:r>
+              <a:rPr lang="en-US" dirty="0" smtClean="0"/>
+              <a:t>The Project</a:t>
             </a:r>
             <a:endParaRPr lang="en-US" dirty="0"/>
           </a:p>
@@ -4144,81 +4783,74 @@
         </p:nvSpPr>
         <p:spPr/>
         <p:txBody>
-          <a:bodyPr>
-            <a:normAutofit/>
-          </a:bodyPr>
-          <a:lstStyle/>
-          <a:p>
-            <a:pPr lvl="0"/>
-            <a:r>
-              <a:rPr lang="en-US" dirty="0" smtClean="0"/>
-              <a:t>Pass App Store Requirements</a:t>
-            </a:r>
-            <a:endParaRPr lang="en-US" dirty="0"/>
-          </a:p>
-          <a:p>
-            <a:pPr lvl="0"/>
-            <a:r>
-              <a:rPr lang="en-US" dirty="0"/>
-              <a:t>Client/Server architecture</a:t>
+          <a:bodyPr/>
+          <a:lstStyle/>
+          <a:p>
+            <a:r>
+              <a:rPr lang="en-US" dirty="0" smtClean="0"/>
+              <a:t>Problem: Where should I eat given nutritional restrictions?</a:t>
+            </a:r>
+          </a:p>
+          <a:p>
+            <a:r>
+              <a:rPr lang="en-US" dirty="0" smtClean="0"/>
+              <a:t>Examples:</a:t>
             </a:r>
           </a:p>
           <a:p>
             <a:pPr lvl="1"/>
             <a:r>
-              <a:rPr lang="en-US" dirty="0"/>
-              <a:t>Client (mobile application) will run on </a:t>
-            </a:r>
-            <a:r>
-              <a:rPr lang="en-US" dirty="0" err="1"/>
-              <a:t>iOS</a:t>
-            </a:r>
-            <a:r>
-              <a:rPr lang="en-US" dirty="0"/>
-              <a:t> and be written in Objective-C </a:t>
-            </a:r>
-            <a:r>
-              <a:rPr lang="en-US" dirty="0" smtClean="0"/>
-              <a:t>or a bootstrapped language on top of Objective-C</a:t>
-            </a:r>
-            <a:endParaRPr lang="en-US" dirty="0"/>
+              <a:rPr lang="en-US" dirty="0" smtClean="0"/>
+              <a:t>On a diet, and I have a maximum of 100 mg of sodium left</a:t>
+            </a:r>
           </a:p>
           <a:p>
             <a:pPr lvl="1"/>
             <a:r>
-              <a:rPr lang="en-US" dirty="0"/>
-              <a:t>Server will run on Linux and be </a:t>
-            </a:r>
-            <a:r>
-              <a:rPr lang="en-US" dirty="0" smtClean="0"/>
-              <a:t>written in </a:t>
+              <a:rPr lang="en-US" dirty="0" smtClean="0"/>
+              <a:t>Just finished working out, and want a minimum of 15 grams of fat in my meal</a:t>
+            </a:r>
+          </a:p>
+          <a:p>
+            <a:pPr lvl="1"/>
+            <a:r>
+              <a:rPr lang="en-US" dirty="0" smtClean="0"/>
+              <a:t>Am trying to lower my cholesterol</a:t>
+            </a:r>
+          </a:p>
+          <a:p>
+            <a:r>
+              <a:rPr lang="en-US" dirty="0" smtClean="0"/>
+              <a:t>Answer: </a:t>
             </a:r>
             <a:r>
               <a:rPr lang="en-US" dirty="0" err="1" smtClean="0"/>
-              <a:t>php</a:t>
-            </a:r>
-            <a:r>
-              <a:rPr lang="en-US" dirty="0" smtClean="0"/>
-              <a:t> with JSON</a:t>
-            </a:r>
-            <a:endParaRPr lang="en-US" dirty="0"/>
-          </a:p>
-          <a:p>
-            <a:pPr lvl="0"/>
-            <a:r>
-              <a:rPr lang="en-US" dirty="0"/>
-              <a:t>Server connects to database of restaurant menus with nutritional information</a:t>
-            </a:r>
-          </a:p>
-          <a:p>
-            <a:pPr lvl="0"/>
-            <a:r>
-              <a:rPr lang="en-US" dirty="0"/>
-              <a:t>Database will have nutritional information for at least 5 </a:t>
-            </a:r>
-            <a:r>
-              <a:rPr lang="en-US" dirty="0" smtClean="0"/>
-              <a:t>restaurants.</a:t>
+              <a:t>NutriFacts</a:t>
+            </a:r>
+            <a:r>
+              <a:rPr lang="en-US" dirty="0" smtClean="0"/>
+              <a:t> Mobile App</a:t>
+            </a:r>
+          </a:p>
+          <a:p>
+            <a:pPr lvl="1"/>
+            <a:r>
+              <a:rPr lang="en-US" dirty="0" smtClean="0"/>
+              <a:t>Enter nutritional constraints</a:t>
+            </a:r>
+          </a:p>
+          <a:p>
+            <a:pPr lvl="1"/>
+            <a:r>
+              <a:rPr lang="en-US" dirty="0" smtClean="0"/>
+              <a:t>Gives you restaurants where you can eat</a:t>
+            </a:r>
+          </a:p>
+          <a:p>
+            <a:pPr lvl="1"/>
+            <a:r>
+              <a:rPr lang="en-US" dirty="0" smtClean="0"/>
+              <a:t>Includes all approved menu items</a:t>
             </a:r>
             <a:endParaRPr lang="en-US" dirty="0"/>
           </a:p>
@@ -4227,7 +4859,7 @@
     </p:spTree>
     <p:extLst>
       <p:ext uri="{BB962C8B-B14F-4D97-AF65-F5344CB8AC3E}">
-        <p14:creationId xmlns:p14="http://schemas.microsoft.com/office/powerpoint/2010/main" val="4050797074"/>
+        <p14:creationId xmlns:p14="http://schemas.microsoft.com/office/powerpoint/2010/main" val="4138704398"/>
       </p:ext>
     </p:extLst>
   </p:cSld>
@@ -4271,7 +4903,7 @@
           <a:p>
             <a:r>
               <a:rPr lang="en-US" dirty="0" smtClean="0"/>
-              <a:t>Functional Requirements</a:t>
+              <a:t>Users of Application</a:t>
             </a:r>
             <a:endParaRPr lang="en-US" dirty="0"/>
           </a:p>
@@ -4294,65 +4926,60 @@
           </a:bodyPr>
           <a:lstStyle/>
           <a:p>
-            <a:pPr lvl="0"/>
-            <a:r>
-              <a:rPr lang="en-US" b="1" dirty="0"/>
-              <a:t>R1: </a:t>
-            </a:r>
-            <a:r>
-              <a:rPr lang="en-US" dirty="0"/>
-              <a:t>Users will be able to select a restaurant from at least 5 restaurants.</a:t>
-            </a:r>
-          </a:p>
-          <a:p>
-            <a:pPr lvl="0"/>
-            <a:r>
-              <a:rPr lang="en-US" b="1" dirty="0"/>
-              <a:t>R2: </a:t>
-            </a:r>
-            <a:r>
-              <a:rPr lang="en-US" dirty="0"/>
-              <a:t>Users will be able to input a number of calories, grams of fat, grams of cholesterol, and grams of sodium.</a:t>
-            </a:r>
-          </a:p>
-          <a:p>
-            <a:pPr lvl="0"/>
-            <a:r>
-              <a:rPr lang="en-US" b="1" dirty="0"/>
-              <a:t>R3:</a:t>
-            </a:r>
-            <a:r>
-              <a:rPr lang="en-US" dirty="0"/>
-              <a:t> Application will gather nutritional information from server each time a user makes a query.</a:t>
-            </a:r>
-          </a:p>
-          <a:p>
-            <a:pPr lvl="0"/>
-            <a:r>
-              <a:rPr lang="en-US" b="1" dirty="0"/>
-              <a:t>R4: </a:t>
-            </a:r>
-            <a:r>
-              <a:rPr lang="en-US" dirty="0"/>
-              <a:t>Users will be able to view all available options that keep them under their nutritional restrictions from the restaurant they chose</a:t>
-            </a:r>
-            <a:r>
-              <a:rPr lang="en-US" dirty="0" smtClean="0"/>
-              <a:t>.</a:t>
-            </a:r>
-          </a:p>
-          <a:p>
-            <a:pPr marL="0" indent="0">
-              <a:buNone/>
-            </a:pPr>
-            <a:endParaRPr lang="en-US" dirty="0"/>
+            <a:r>
+              <a:rPr lang="en-US" dirty="0" smtClean="0"/>
+              <a:t>People who are…</a:t>
+            </a:r>
+          </a:p>
+          <a:p>
+            <a:pPr lvl="1"/>
+            <a:r>
+              <a:rPr lang="en-US" sz="2400" dirty="0" smtClean="0"/>
+              <a:t>Athletes</a:t>
+            </a:r>
+          </a:p>
+          <a:p>
+            <a:pPr lvl="1"/>
+            <a:r>
+              <a:rPr lang="en-US" sz="2400" dirty="0" smtClean="0"/>
+              <a:t>Trying to lose weight</a:t>
+            </a:r>
+          </a:p>
+          <a:p>
+            <a:pPr lvl="1"/>
+            <a:r>
+              <a:rPr lang="en-US" sz="2400" dirty="0" smtClean="0"/>
+              <a:t>Trying to gain weight</a:t>
+            </a:r>
+          </a:p>
+          <a:p>
+            <a:pPr lvl="1"/>
+            <a:r>
+              <a:rPr lang="en-US" sz="2400" dirty="0" smtClean="0"/>
+              <a:t>Trying to find a healthy place to eat</a:t>
+            </a:r>
+          </a:p>
+          <a:p>
+            <a:pPr lvl="1"/>
+            <a:r>
+              <a:rPr lang="en-US" sz="2400" dirty="0" smtClean="0"/>
+              <a:t>Trying to find an unhealthy place to eat</a:t>
+            </a:r>
+          </a:p>
+          <a:p>
+            <a:pPr lvl="1"/>
+            <a:r>
+              <a:rPr lang="en-US" sz="2400" dirty="0" smtClean="0"/>
+              <a:t>Those with Diabetes or other diseases</a:t>
+            </a:r>
+            <a:endParaRPr lang="en-US" sz="2400" dirty="0"/>
           </a:p>
         </p:txBody>
       </p:sp>
     </p:spTree>
     <p:extLst>
       <p:ext uri="{BB962C8B-B14F-4D97-AF65-F5344CB8AC3E}">
-        <p14:creationId xmlns:p14="http://schemas.microsoft.com/office/powerpoint/2010/main" val="875641301"/>
+        <p14:creationId xmlns:p14="http://schemas.microsoft.com/office/powerpoint/2010/main" val="3143175669"/>
       </p:ext>
     </p:extLst>
   </p:cSld>
@@ -4396,7 +5023,7 @@
           <a:p>
             <a:r>
               <a:rPr lang="en-US" dirty="0" smtClean="0"/>
-              <a:t>Web API</a:t>
+              <a:t>Why We Chose This Project</a:t>
             </a:r>
             <a:endParaRPr lang="en-US" dirty="0"/>
           </a:p>
@@ -4404,60 +5031,60 @@
       </p:sp>
       <p:sp>
         <p:nvSpPr>
-          <p:cNvPr id="4" name="Content Placeholder 3"/>
-          <p:cNvSpPr txBox="1">
+          <p:cNvPr id="3" name="Content Placeholder 2"/>
+          <p:cNvSpPr>
             <a:spLocks noGrp="1"/>
           </p:cNvSpPr>
           <p:nvPr>
             <p:ph idx="1"/>
           </p:nvPr>
         </p:nvSpPr>
-        <p:spPr>
-          <a:xfrm>
-            <a:off x="457200" y="1600200"/>
-            <a:ext cx="6532558" cy="1791260"/>
-          </a:xfrm>
-          <a:prstGeom prst="rect">
-            <a:avLst/>
-          </a:prstGeom>
-          <a:noFill/>
-        </p:spPr>
-        <p:txBody>
-          <a:bodyPr wrap="none" rtlCol="0">
-            <a:spAutoFit/>
-          </a:bodyPr>
-          <a:lstStyle/>
-          <a:p>
-            <a:r>
-              <a:rPr lang="en-US" dirty="0">
-                <a:hlinkClick r:id="rId2"/>
-              </a:rPr>
-              <a:t>http://slypro.hostjava.net/</a:t>
-            </a:r>
-            <a:r>
-              <a:rPr lang="en-US" dirty="0" smtClean="0">
-                <a:hlinkClick r:id="rId2"/>
-              </a:rPr>
-              <a:t>NutriFacts.php</a:t>
-            </a:r>
-            <a:endParaRPr lang="en-US" dirty="0" smtClean="0"/>
-          </a:p>
-          <a:p>
-            <a:r>
-              <a:rPr lang="en-US" dirty="0" smtClean="0"/>
-              <a:t>Returns Restaurant Type as well</a:t>
-            </a:r>
-          </a:p>
-          <a:p>
-            <a:r>
-              <a:rPr lang="en-US" dirty="0" smtClean="0"/>
-              <a:t>All data in JSON</a:t>
-            </a:r>
-          </a:p>
-          <a:p>
-            <a:r>
-              <a:rPr lang="en-US" dirty="0" smtClean="0"/>
-              <a:t>Parsed and recorded by the application</a:t>
+        <p:spPr/>
+        <p:txBody>
+          <a:bodyPr/>
+          <a:lstStyle/>
+          <a:p>
+            <a:r>
+              <a:rPr lang="en-US" dirty="0" smtClean="0"/>
+              <a:t>A way to find out what you can eat at restaurants and stay on target.</a:t>
+            </a:r>
+          </a:p>
+          <a:p>
+            <a:r>
+              <a:rPr lang="en-US" dirty="0" smtClean="0"/>
+              <a:t>Useful for others</a:t>
+            </a:r>
+          </a:p>
+          <a:p>
+            <a:r>
+              <a:rPr lang="en-US" dirty="0" smtClean="0"/>
+              <a:t>Useful for us</a:t>
+            </a:r>
+          </a:p>
+          <a:p>
+            <a:r>
+              <a:rPr lang="en-US" dirty="0" smtClean="0"/>
+              <a:t>Interesting</a:t>
+            </a:r>
+          </a:p>
+          <a:p>
+            <a:r>
+              <a:rPr lang="en-US" dirty="0" smtClean="0"/>
+              <a:t>New Language (</a:t>
+            </a:r>
+            <a:r>
+              <a:rPr lang="en-US" dirty="0" err="1" smtClean="0"/>
+              <a:t>Lua</a:t>
+            </a:r>
+            <a:r>
+              <a:rPr lang="en-US" dirty="0" smtClean="0"/>
+              <a:t>)</a:t>
+            </a:r>
+          </a:p>
+          <a:p>
+            <a:r>
+              <a:rPr lang="en-US" dirty="0" smtClean="0"/>
+              <a:t>New Framework (Corona)</a:t>
             </a:r>
             <a:endParaRPr lang="en-US" dirty="0"/>
           </a:p>
@@ -4466,7 +5093,7 @@
     </p:spTree>
     <p:extLst>
       <p:ext uri="{BB962C8B-B14F-4D97-AF65-F5344CB8AC3E}">
-        <p14:creationId xmlns:p14="http://schemas.microsoft.com/office/powerpoint/2010/main" val="1682440954"/>
+        <p14:creationId xmlns:p14="http://schemas.microsoft.com/office/powerpoint/2010/main" val="2902935921"/>
       </p:ext>
     </p:extLst>
   </p:cSld>
@@ -4510,7 +5137,48 @@
           <a:p>
             <a:r>
               <a:rPr lang="en-US" dirty="0" smtClean="0"/>
-              <a:t>Demo</a:t>
+              <a:t>Outline</a:t>
+            </a:r>
+            <a:endParaRPr lang="en-US" dirty="0"/>
+          </a:p>
+        </p:txBody>
+      </p:sp>
+      <p:sp>
+        <p:nvSpPr>
+          <p:cNvPr id="3" name="Content Placeholder 2"/>
+          <p:cNvSpPr>
+            <a:spLocks noGrp="1"/>
+          </p:cNvSpPr>
+          <p:nvPr>
+            <p:ph idx="1"/>
+          </p:nvPr>
+        </p:nvSpPr>
+        <p:spPr/>
+        <p:txBody>
+          <a:bodyPr/>
+          <a:lstStyle/>
+          <a:p>
+            <a:r>
+              <a:rPr lang="en-US" dirty="0" smtClean="0"/>
+              <a:t>Background</a:t>
+            </a:r>
+          </a:p>
+          <a:p>
+            <a:r>
+              <a:rPr lang="en-US" u="sng" dirty="0" smtClean="0"/>
+              <a:t>Did we do it?</a:t>
+            </a:r>
+          </a:p>
+          <a:p>
+            <a:r>
+              <a:rPr lang="en-US" dirty="0" smtClean="0"/>
+              <a:t>Demonstration</a:t>
+            </a:r>
+          </a:p>
+          <a:p>
+            <a:r>
+              <a:rPr lang="en-US" dirty="0" smtClean="0"/>
+              <a:t>Aftermath</a:t>
             </a:r>
             <a:endParaRPr lang="en-US" dirty="0"/>
           </a:p>
@@ -4519,7 +5187,7 @@
     </p:spTree>
     <p:extLst>
       <p:ext uri="{BB962C8B-B14F-4D97-AF65-F5344CB8AC3E}">
-        <p14:creationId xmlns:p14="http://schemas.microsoft.com/office/powerpoint/2010/main" val="3221030249"/>
+        <p14:creationId xmlns:p14="http://schemas.microsoft.com/office/powerpoint/2010/main" val="437012859"/>
       </p:ext>
     </p:extLst>
   </p:cSld>
@@ -4558,12 +5226,14 @@
         </p:nvSpPr>
         <p:spPr/>
         <p:txBody>
-          <a:bodyPr/>
-          <a:lstStyle/>
-          <a:p>
-            <a:r>
-              <a:rPr lang="en-US" dirty="0" smtClean="0"/>
-              <a:t>Q&amp;A</a:t>
+          <a:bodyPr>
+            <a:normAutofit/>
+          </a:bodyPr>
+          <a:lstStyle/>
+          <a:p>
+            <a:r>
+              <a:rPr lang="en-US" dirty="0" smtClean="0"/>
+              <a:t>Non-Functional Requirements</a:t>
             </a:r>
             <a:endParaRPr lang="en-US" dirty="0"/>
           </a:p>
@@ -4581,12 +5251,81 @@
         </p:nvSpPr>
         <p:spPr/>
         <p:txBody>
-          <a:bodyPr/>
-          <a:lstStyle/>
-          <a:p>
-            <a:r>
-              <a:rPr lang="en-US" dirty="0" smtClean="0"/>
-              <a:t>Any questions?</a:t>
+          <a:bodyPr>
+            <a:normAutofit/>
+          </a:bodyPr>
+          <a:lstStyle/>
+          <a:p>
+            <a:pPr lvl="0"/>
+            <a:r>
+              <a:rPr lang="en-US" dirty="0" smtClean="0"/>
+              <a:t>Pass App Store Requirements</a:t>
+            </a:r>
+            <a:endParaRPr lang="en-US" dirty="0"/>
+          </a:p>
+          <a:p>
+            <a:pPr lvl="0"/>
+            <a:r>
+              <a:rPr lang="en-US" dirty="0"/>
+              <a:t>Client/Server architecture</a:t>
+            </a:r>
+          </a:p>
+          <a:p>
+            <a:pPr lvl="1"/>
+            <a:r>
+              <a:rPr lang="en-US" dirty="0"/>
+              <a:t>Client (mobile application) will run on </a:t>
+            </a:r>
+            <a:r>
+              <a:rPr lang="en-US" dirty="0" err="1"/>
+              <a:t>iOS</a:t>
+            </a:r>
+            <a:r>
+              <a:rPr lang="en-US" dirty="0"/>
+              <a:t> and be written in Objective-C </a:t>
+            </a:r>
+            <a:r>
+              <a:rPr lang="en-US" dirty="0" smtClean="0"/>
+              <a:t>or a bootstrapped language on top of Objective-C</a:t>
+            </a:r>
+            <a:endParaRPr lang="en-US" dirty="0"/>
+          </a:p>
+          <a:p>
+            <a:pPr lvl="1"/>
+            <a:r>
+              <a:rPr lang="en-US" dirty="0"/>
+              <a:t>Server will run on Linux and be </a:t>
+            </a:r>
+            <a:r>
+              <a:rPr lang="en-US" dirty="0" smtClean="0"/>
+              <a:t>written in </a:t>
+            </a:r>
+            <a:r>
+              <a:rPr lang="en-US" dirty="0" err="1" smtClean="0"/>
+              <a:t>php</a:t>
+            </a:r>
+            <a:r>
+              <a:rPr lang="en-US" dirty="0" smtClean="0"/>
+              <a:t> with JSON</a:t>
+            </a:r>
+            <a:endParaRPr lang="en-US" dirty="0"/>
+          </a:p>
+          <a:p>
+            <a:pPr lvl="0"/>
+            <a:r>
+              <a:rPr lang="en-US" dirty="0"/>
+              <a:t>Server connects to database of restaurant menus with nutritional information</a:t>
+            </a:r>
+          </a:p>
+          <a:p>
+            <a:pPr lvl="0"/>
+            <a:r>
+              <a:rPr lang="en-US" dirty="0"/>
+              <a:t>Database will have nutritional information for at least 5 </a:t>
+            </a:r>
+            <a:r>
+              <a:rPr lang="en-US" dirty="0" smtClean="0"/>
+              <a:t>restaurants.</a:t>
             </a:r>
             <a:endParaRPr lang="en-US" dirty="0"/>
           </a:p>
@@ -4595,13 +5334,251 @@
     </p:spTree>
     <p:extLst>
       <p:ext uri="{BB962C8B-B14F-4D97-AF65-F5344CB8AC3E}">
-        <p14:creationId xmlns:p14="http://schemas.microsoft.com/office/powerpoint/2010/main" val="486585655"/>
+        <p14:creationId xmlns:p14="http://schemas.microsoft.com/office/powerpoint/2010/main" val="4050797074"/>
       </p:ext>
     </p:extLst>
   </p:cSld>
   <p:clrMapOvr>
     <a:masterClrMapping/>
   </p:clrMapOvr>
+</p:sld>
+</file>
+
+<file path=ppt/slides/slide8.xml><?xml version="1.0" encoding="utf-8"?>
+<p:sld xmlns:a="http://schemas.openxmlformats.org/drawingml/2006/main" xmlns:r="http://schemas.openxmlformats.org/officeDocument/2006/relationships" xmlns:p="http://schemas.openxmlformats.org/presentationml/2006/main">
+  <p:cSld>
+    <p:spTree>
+      <p:nvGrpSpPr>
+        <p:cNvPr id="1" name=""/>
+        <p:cNvGrpSpPr/>
+        <p:nvPr/>
+      </p:nvGrpSpPr>
+      <p:grpSpPr>
+        <a:xfrm>
+          <a:off x="0" y="0"/>
+          <a:ext cx="0" cy="0"/>
+          <a:chOff x="0" y="0"/>
+          <a:chExt cx="0" cy="0"/>
+        </a:xfrm>
+      </p:grpSpPr>
+      <p:sp>
+        <p:nvSpPr>
+          <p:cNvPr id="2" name="Title 1"/>
+          <p:cNvSpPr>
+            <a:spLocks noGrp="1"/>
+          </p:cNvSpPr>
+          <p:nvPr>
+            <p:ph type="title"/>
+          </p:nvPr>
+        </p:nvSpPr>
+        <p:spPr/>
+        <p:txBody>
+          <a:bodyPr/>
+          <a:lstStyle/>
+          <a:p>
+            <a:r>
+              <a:rPr lang="en-US" dirty="0" smtClean="0"/>
+              <a:t>Functional Requirements</a:t>
+            </a:r>
+            <a:endParaRPr lang="en-US" dirty="0"/>
+          </a:p>
+        </p:txBody>
+      </p:sp>
+      <p:sp>
+        <p:nvSpPr>
+          <p:cNvPr id="3" name="Content Placeholder 2"/>
+          <p:cNvSpPr>
+            <a:spLocks noGrp="1"/>
+          </p:cNvSpPr>
+          <p:nvPr>
+            <p:ph idx="1"/>
+          </p:nvPr>
+        </p:nvSpPr>
+        <p:spPr/>
+        <p:txBody>
+          <a:bodyPr>
+            <a:normAutofit/>
+          </a:bodyPr>
+          <a:lstStyle/>
+          <a:p>
+            <a:pPr lvl="0"/>
+            <a:r>
+              <a:rPr lang="en-US" b="1" dirty="0"/>
+              <a:t>R1: </a:t>
+            </a:r>
+            <a:r>
+              <a:rPr lang="en-US" dirty="0"/>
+              <a:t>Users will be able to select a restaurant from at least 5 restaurants.</a:t>
+            </a:r>
+          </a:p>
+          <a:p>
+            <a:pPr lvl="0"/>
+            <a:r>
+              <a:rPr lang="en-US" b="1" dirty="0"/>
+              <a:t>R2: </a:t>
+            </a:r>
+            <a:r>
+              <a:rPr lang="en-US" dirty="0"/>
+              <a:t>Users will be able to input a number of calories, grams of fat, grams of cholesterol, and </a:t>
+            </a:r>
+            <a:r>
+              <a:rPr lang="en-US" dirty="0" err="1" smtClean="0"/>
+              <a:t>mgof</a:t>
+            </a:r>
+            <a:r>
+              <a:rPr lang="en-US" dirty="0" smtClean="0"/>
+              <a:t> </a:t>
+            </a:r>
+            <a:r>
+              <a:rPr lang="en-US" dirty="0"/>
+              <a:t>sodium.</a:t>
+            </a:r>
+          </a:p>
+          <a:p>
+            <a:pPr lvl="0"/>
+            <a:r>
+              <a:rPr lang="en-US" b="1" dirty="0"/>
+              <a:t>R3:</a:t>
+            </a:r>
+            <a:r>
+              <a:rPr lang="en-US" dirty="0"/>
+              <a:t> Application will gather nutritional information from server each time a user makes a query.</a:t>
+            </a:r>
+          </a:p>
+          <a:p>
+            <a:pPr lvl="0"/>
+            <a:r>
+              <a:rPr lang="en-US" b="1" dirty="0"/>
+              <a:t>R4: </a:t>
+            </a:r>
+            <a:r>
+              <a:rPr lang="en-US" dirty="0"/>
+              <a:t>Users will be able to view all available options that keep them under their nutritional restrictions from the restaurant they chose</a:t>
+            </a:r>
+            <a:r>
+              <a:rPr lang="en-US" dirty="0" smtClean="0"/>
+              <a:t>.</a:t>
+            </a:r>
+          </a:p>
+          <a:p>
+            <a:pPr marL="0" indent="0">
+              <a:buNone/>
+            </a:pPr>
+            <a:endParaRPr lang="en-US" dirty="0"/>
+          </a:p>
+        </p:txBody>
+      </p:sp>
+    </p:spTree>
+    <p:extLst>
+      <p:ext uri="{BB962C8B-B14F-4D97-AF65-F5344CB8AC3E}">
+        <p14:creationId xmlns:p14="http://schemas.microsoft.com/office/powerpoint/2010/main" val="875641301"/>
+      </p:ext>
+    </p:extLst>
+  </p:cSld>
+  <p:clrMapOvr>
+    <a:masterClrMapping/>
+  </p:clrMapOvr>
+</p:sld>
+</file>
+
+<file path=ppt/slides/slide9.xml><?xml version="1.0" encoding="utf-8"?>
+<p:sld xmlns:a="http://schemas.openxmlformats.org/drawingml/2006/main" xmlns:r="http://schemas.openxmlformats.org/officeDocument/2006/relationships" xmlns:p="http://schemas.openxmlformats.org/presentationml/2006/main">
+  <p:cSld>
+    <p:spTree>
+      <p:nvGrpSpPr>
+        <p:cNvPr id="1" name=""/>
+        <p:cNvGrpSpPr/>
+        <p:nvPr/>
+      </p:nvGrpSpPr>
+      <p:grpSpPr>
+        <a:xfrm>
+          <a:off x="0" y="0"/>
+          <a:ext cx="0" cy="0"/>
+          <a:chOff x="0" y="0"/>
+          <a:chExt cx="0" cy="0"/>
+        </a:xfrm>
+      </p:grpSpPr>
+      <p:sp>
+        <p:nvSpPr>
+          <p:cNvPr id="2" name="Title 1"/>
+          <p:cNvSpPr>
+            <a:spLocks noGrp="1"/>
+          </p:cNvSpPr>
+          <p:nvPr>
+            <p:ph type="title"/>
+          </p:nvPr>
+        </p:nvSpPr>
+        <p:spPr/>
+        <p:txBody>
+          <a:bodyPr/>
+          <a:lstStyle/>
+          <a:p>
+            <a:r>
+              <a:rPr lang="en-US" dirty="0" smtClean="0"/>
+              <a:t>Outline</a:t>
+            </a:r>
+            <a:endParaRPr lang="en-US" dirty="0"/>
+          </a:p>
+        </p:txBody>
+      </p:sp>
+      <p:sp>
+        <p:nvSpPr>
+          <p:cNvPr id="3" name="Content Placeholder 2"/>
+          <p:cNvSpPr>
+            <a:spLocks noGrp="1"/>
+          </p:cNvSpPr>
+          <p:nvPr>
+            <p:ph idx="1"/>
+          </p:nvPr>
+        </p:nvSpPr>
+        <p:spPr/>
+        <p:txBody>
+          <a:bodyPr/>
+          <a:lstStyle/>
+          <a:p>
+            <a:r>
+              <a:rPr lang="en-US" dirty="0" smtClean="0"/>
+              <a:t>Background</a:t>
+            </a:r>
+          </a:p>
+          <a:p>
+            <a:r>
+              <a:rPr lang="en-US" dirty="0" smtClean="0"/>
+              <a:t>Did we do it?</a:t>
+            </a:r>
+          </a:p>
+          <a:p>
+            <a:r>
+              <a:rPr lang="en-US" u="sng" dirty="0" smtClean="0"/>
+              <a:t>Demonstration</a:t>
+            </a:r>
+          </a:p>
+          <a:p>
+            <a:r>
+              <a:rPr lang="en-US" dirty="0" smtClean="0"/>
+              <a:t>Aftermath</a:t>
+            </a:r>
+            <a:endParaRPr lang="en-US" dirty="0"/>
+          </a:p>
+        </p:txBody>
+      </p:sp>
+    </p:spTree>
+    <p:extLst>
+      <p:ext uri="{BB962C8B-B14F-4D97-AF65-F5344CB8AC3E}">
+        <p14:creationId xmlns:p14="http://schemas.microsoft.com/office/powerpoint/2010/main" val="437012859"/>
+      </p:ext>
+    </p:extLst>
+  </p:cSld>
+  <p:clrMapOvr>
+    <a:masterClrMapping/>
+  </p:clrMapOvr>
+  <p:timing>
+    <p:tnLst>
+      <p:par>
+        <p:cTn xmlns:p14="http://schemas.microsoft.com/office/powerpoint/2010/main" id="1" dur="indefinite" restart="never" nodeType="tmRoot"/>
+      </p:par>
+    </p:tnLst>
+  </p:timing>
 </p:sld>
 </file>
 
